--- a/20521494_20520276_20521587_Presentation.pptx
+++ b/20521494_20520276_20521587_Presentation.pptx
@@ -8448,58 +8448,48 @@
             <a:endParaRPr dirty="0"/>
           </a:p>
           <a:p>
-            <a:pPr marL="457200" lvl="0" indent="-368300" algn="l" rtl="0">
-              <a:spcBef>
-                <a:spcPts val="0"/>
-              </a:spcBef>
-              <a:spcAft>
-                <a:spcPts val="0"/>
-              </a:spcAft>
-              <a:buSzPts val="2200"/>
+            <a:pPr lvl="0">
               <a:buFont typeface="Arial"/>
               <a:buChar char="●"/>
             </a:pPr>
             <a:r>
               <a:rPr lang="en" dirty="0"/>
-              <a:t>Link Github của nhóm: </a:t>
-            </a:r>
-            <a:r>
-              <a:rPr lang="en-US" dirty="0"/>
-              <a:t>https://github.com/PhucNDA/HA-RDet</a:t>
-            </a:r>
-            <a:r>
-              <a:rPr lang="en" dirty="0"/>
-              <a:t> </a:t>
-            </a:r>
-            <a:endParaRPr dirty="0"/>
-          </a:p>
-          <a:p>
-            <a:pPr lvl="0"/>
-            <a:r>
-              <a:rPr lang="en" dirty="0"/>
-              <a:t>Link YouTube video</a:t>
+              <a:t>Link Github </a:t>
             </a:r>
             <a:r>
               <a:rPr lang="en"/>
-              <a:t>: </a:t>
+              <a:t>của </a:t>
+            </a:r>
+            <a:r>
+              <a:rPr lang="en" smtClean="0"/>
+              <a:t>nhóm: </a:t>
+            </a:r>
+            <a:r>
+              <a:rPr lang="en-US" smtClean="0"/>
+              <a:t>https</a:t>
+            </a:r>
+            <a:r>
+              <a:rPr lang="en-US"/>
+              <a:t>://</a:t>
+            </a:r>
+            <a:r>
+              <a:rPr lang="en-US" smtClean="0"/>
+              <a:t>github.com/HiImKing1509/CS519.N11</a:t>
+            </a:r>
+          </a:p>
+          <a:p>
+            <a:pPr lvl="0">
+              <a:buFont typeface="Arial"/>
+              <a:buChar char="●"/>
+            </a:pPr>
+            <a:r>
+              <a:rPr lang="en" smtClean="0"/>
+              <a:t>Link YouTube video: </a:t>
             </a:r>
             <a:r>
               <a:rPr lang="en-US"/>
               <a:t>https://youtu.be/hKSkUQnPxd4</a:t>
             </a:r>
-            <a:endParaRPr lang="en" dirty="0"/>
-          </a:p>
-          <a:p>
-            <a:pPr marL="88900" lvl="0" indent="0" algn="l" rtl="0">
-              <a:spcBef>
-                <a:spcPts val="0"/>
-              </a:spcBef>
-              <a:spcAft>
-                <a:spcPts val="0"/>
-              </a:spcAft>
-              <a:buSzPts val="2200"/>
-              <a:buNone/>
-            </a:pPr>
             <a:endParaRPr dirty="0"/>
           </a:p>
           <a:p>
